--- a/test/pptx/tables/templated.pptx
+++ b/test/pptx/tables/templated.pptx
@@ -5740,7 +5740,7 @@
           <a:bodyPr/>
           <a:lstStyle/>
           <a:p>
-            <a:pPr lvl="0" marL="0" indent="0">
+            <a:pPr lvl="0" indent="0" marL="0">
               <a:buNone/>
             </a:pPr>
             <a:r>
@@ -5782,7 +5782,7 @@
                     <a:bodyPr/>
                     <a:lstStyle/>
                     <a:p>
-                      <a:pPr lvl="0" marL="0" indent="0" algn="r">
+                      <a:pPr lvl="0" indent="0" marL="0" algn="r">
                         <a:buNone/>
                       </a:pPr>
                       <a:r>
@@ -5798,7 +5798,7 @@
                     <a:bodyPr/>
                     <a:lstStyle/>
                     <a:p>
-                      <a:pPr lvl="0" marL="0" indent="0" algn="l">
+                      <a:pPr lvl="0" indent="0" marL="0" algn="l">
                         <a:buNone/>
                       </a:pPr>
                       <a:r>
@@ -5814,7 +5814,7 @@
                     <a:bodyPr/>
                     <a:lstStyle/>
                     <a:p>
-                      <a:pPr lvl="0" marL="0" indent="0" algn="ctr">
+                      <a:pPr lvl="0" indent="0" marL="0" algn="ctr">
                         <a:buNone/>
                       </a:pPr>
                       <a:r>
@@ -5830,7 +5830,7 @@
                     <a:bodyPr/>
                     <a:lstStyle/>
                     <a:p>
-                      <a:pPr lvl="0" marL="0" indent="0">
+                      <a:pPr lvl="0" indent="0" marL="0">
                         <a:buNone/>
                       </a:pPr>
                       <a:r>
@@ -5848,7 +5848,7 @@
                     <a:bodyPr/>
                     <a:lstStyle/>
                     <a:p>
-                      <a:pPr lvl="0" marL="0" indent="0" algn="r">
+                      <a:pPr lvl="0" indent="0" marL="0" algn="r">
                         <a:buNone/>
                       </a:pPr>
                       <a:r>
@@ -5863,7 +5863,7 @@
                     <a:bodyPr/>
                     <a:lstStyle/>
                     <a:p>
-                      <a:pPr lvl="0" marL="0" indent="0" algn="l">
+                      <a:pPr lvl="0" indent="0" marL="0" algn="l">
                         <a:buNone/>
                       </a:pPr>
                       <a:r>
@@ -5878,7 +5878,7 @@
                     <a:bodyPr/>
                     <a:lstStyle/>
                     <a:p>
-                      <a:pPr lvl="0" marL="0" indent="0" algn="ctr">
+                      <a:pPr lvl="0" indent="0" marL="0" algn="ctr">
                         <a:buNone/>
                       </a:pPr>
                       <a:r>
@@ -5893,7 +5893,7 @@
                     <a:bodyPr/>
                     <a:lstStyle/>
                     <a:p>
-                      <a:pPr lvl="0" marL="0" indent="0">
+                      <a:pPr lvl="0" indent="0" marL="0">
                         <a:buNone/>
                       </a:pPr>
                       <a:r>
@@ -5910,7 +5910,7 @@
                     <a:bodyPr/>
                     <a:lstStyle/>
                     <a:p>
-                      <a:pPr lvl="0" marL="0" indent="0" algn="r">
+                      <a:pPr lvl="0" indent="0" marL="0" algn="r">
                         <a:buNone/>
                       </a:pPr>
                       <a:r>
@@ -5925,7 +5925,7 @@
                     <a:bodyPr/>
                     <a:lstStyle/>
                     <a:p>
-                      <a:pPr lvl="0" marL="0" indent="0" algn="l">
+                      <a:pPr lvl="0" indent="0" marL="0" algn="l">
                         <a:buNone/>
                       </a:pPr>
                       <a:r>
@@ -5940,7 +5940,7 @@
                     <a:bodyPr/>
                     <a:lstStyle/>
                     <a:p>
-                      <a:pPr lvl="0" marL="0" indent="0" algn="ctr">
+                      <a:pPr lvl="0" indent="0" marL="0" algn="ctr">
                         <a:buNone/>
                       </a:pPr>
                       <a:r>
@@ -5955,7 +5955,7 @@
                     <a:bodyPr/>
                     <a:lstStyle/>
                     <a:p>
-                      <a:pPr lvl="0" marL="0" indent="0">
+                      <a:pPr lvl="0" indent="0" marL="0">
                         <a:buNone/>
                       </a:pPr>
                       <a:r>
@@ -5972,7 +5972,7 @@
                     <a:bodyPr/>
                     <a:lstStyle/>
                     <a:p>
-                      <a:pPr lvl="0" marL="0" indent="0" algn="r">
+                      <a:pPr lvl="0" indent="0" marL="0" algn="r">
                         <a:buNone/>
                       </a:pPr>
                       <a:r>
@@ -5987,7 +5987,7 @@
                     <a:bodyPr/>
                     <a:lstStyle/>
                     <a:p>
-                      <a:pPr lvl="0" marL="0" indent="0" algn="l">
+                      <a:pPr lvl="0" indent="0" marL="0" algn="l">
                         <a:buNone/>
                       </a:pPr>
                       <a:r>
@@ -6002,7 +6002,7 @@
                     <a:bodyPr/>
                     <a:lstStyle/>
                     <a:p>
-                      <a:pPr lvl="0" marL="0" indent="0" algn="ctr">
+                      <a:pPr lvl="0" indent="0" marL="0" algn="ctr">
                         <a:buNone/>
                       </a:pPr>
                       <a:r>
@@ -6017,7 +6017,7 @@
                     <a:bodyPr/>
                     <a:lstStyle/>
                     <a:p>
-                      <a:pPr lvl="0" marL="0" indent="0">
+                      <a:pPr lvl="0" indent="0" marL="0">
                         <a:buNone/>
                       </a:pPr>
                       <a:r>
@@ -6036,7 +6036,9 @@
         <p:nvSpPr>
           <p:cNvPr id="1" name="TextBox 3"/>
           <p:cNvSpPr txBox="1"/>
-          <p:nvPr/>
+          <p:nvPr>
+            <p:ph idx="1"/>
+          </p:nvPr>
         </p:nvSpPr>
         <p:spPr>
           <a:xfrm>
@@ -6052,7 +6054,7 @@
           <a:bodyPr/>
           <a:lstStyle/>
           <a:p>
-            <a:pPr lvl="0" marL="0" indent="0" algn="ctr">
+            <a:pPr lvl="0" indent="0" marL="0" algn="ctr">
               <a:buNone/>
             </a:pPr>
             <a:r>
@@ -6116,7 +6118,7 @@
                     <a:bodyPr/>
                     <a:lstStyle/>
                     <a:p>
-                      <a:pPr lvl="0" marL="0" indent="0" algn="r">
+                      <a:pPr lvl="0" indent="0" marL="0" algn="r">
                         <a:buNone/>
                       </a:pPr>
                       <a:r>
@@ -6132,7 +6134,7 @@
                     <a:bodyPr/>
                     <a:lstStyle/>
                     <a:p>
-                      <a:pPr lvl="0" marL="0" indent="0" algn="l">
+                      <a:pPr lvl="0" indent="0" marL="0" algn="l">
                         <a:buNone/>
                       </a:pPr>
                       <a:r>
@@ -6148,7 +6150,7 @@
                     <a:bodyPr/>
                     <a:lstStyle/>
                     <a:p>
-                      <a:pPr lvl="0" marL="0" indent="0" algn="ctr">
+                      <a:pPr lvl="0" indent="0" marL="0" algn="ctr">
                         <a:buNone/>
                       </a:pPr>
                       <a:r>
@@ -6164,7 +6166,7 @@
                     <a:bodyPr/>
                     <a:lstStyle/>
                     <a:p>
-                      <a:pPr lvl="0" marL="0" indent="0">
+                      <a:pPr lvl="0" indent="0" marL="0">
                         <a:buNone/>
                       </a:pPr>
                       <a:r>
@@ -6182,7 +6184,7 @@
                     <a:bodyPr/>
                     <a:lstStyle/>
                     <a:p>
-                      <a:pPr lvl="0" marL="0" indent="0" algn="r">
+                      <a:pPr lvl="0" indent="0" marL="0" algn="r">
                         <a:buNone/>
                       </a:pPr>
                       <a:r>
@@ -6197,7 +6199,7 @@
                     <a:bodyPr/>
                     <a:lstStyle/>
                     <a:p>
-                      <a:pPr lvl="0" marL="0" indent="0" algn="l">
+                      <a:pPr lvl="0" indent="0" marL="0" algn="l">
                         <a:buNone/>
                       </a:pPr>
                       <a:r>
@@ -6212,7 +6214,7 @@
                     <a:bodyPr/>
                     <a:lstStyle/>
                     <a:p>
-                      <a:pPr lvl="0" marL="0" indent="0" algn="ctr">
+                      <a:pPr lvl="0" indent="0" marL="0" algn="ctr">
                         <a:buNone/>
                       </a:pPr>
                       <a:r>
@@ -6227,7 +6229,7 @@
                     <a:bodyPr/>
                     <a:lstStyle/>
                     <a:p>
-                      <a:pPr lvl="0" marL="0" indent="0">
+                      <a:pPr lvl="0" indent="0" marL="0">
                         <a:buNone/>
                       </a:pPr>
                       <a:r>
@@ -6244,7 +6246,7 @@
                     <a:bodyPr/>
                     <a:lstStyle/>
                     <a:p>
-                      <a:pPr lvl="0" marL="0" indent="0" algn="r">
+                      <a:pPr lvl="0" indent="0" marL="0" algn="r">
                         <a:buNone/>
                       </a:pPr>
                       <a:r>
@@ -6259,7 +6261,7 @@
                     <a:bodyPr/>
                     <a:lstStyle/>
                     <a:p>
-                      <a:pPr lvl="0" marL="0" indent="0" algn="l">
+                      <a:pPr lvl="0" indent="0" marL="0" algn="l">
                         <a:buNone/>
                       </a:pPr>
                       <a:r>
@@ -6274,7 +6276,7 @@
                     <a:bodyPr/>
                     <a:lstStyle/>
                     <a:p>
-                      <a:pPr lvl="0" marL="0" indent="0" algn="ctr">
+                      <a:pPr lvl="0" indent="0" marL="0" algn="ctr">
                         <a:buNone/>
                       </a:pPr>
                       <a:r>
@@ -6289,7 +6291,7 @@
                     <a:bodyPr/>
                     <a:lstStyle/>
                     <a:p>
-                      <a:pPr lvl="0" marL="0" indent="0">
+                      <a:pPr lvl="0" indent="0" marL="0">
                         <a:buNone/>
                       </a:pPr>
                       <a:r>
@@ -6306,7 +6308,7 @@
                     <a:bodyPr/>
                     <a:lstStyle/>
                     <a:p>
-                      <a:pPr lvl="0" marL="0" indent="0" algn="r">
+                      <a:pPr lvl="0" indent="0" marL="0" algn="r">
                         <a:buNone/>
                       </a:pPr>
                       <a:r>
@@ -6321,7 +6323,7 @@
                     <a:bodyPr/>
                     <a:lstStyle/>
                     <a:p>
-                      <a:pPr lvl="0" marL="0" indent="0" algn="l">
+                      <a:pPr lvl="0" indent="0" marL="0" algn="l">
                         <a:buNone/>
                       </a:pPr>
                       <a:r>
@@ -6336,7 +6338,7 @@
                     <a:bodyPr/>
                     <a:lstStyle/>
                     <a:p>
-                      <a:pPr lvl="0" marL="0" indent="0" algn="ctr">
+                      <a:pPr lvl="0" indent="0" marL="0" algn="ctr">
                         <a:buNone/>
                       </a:pPr>
                       <a:r>
@@ -6351,7 +6353,7 @@
                     <a:bodyPr/>
                     <a:lstStyle/>
                     <a:p>
-                      <a:pPr lvl="0" marL="0" indent="0">
+                      <a:pPr lvl="0" indent="0" marL="0">
                         <a:buNone/>
                       </a:pPr>
                       <a:r>
